--- a/slides/Unit 2 - Class 11.pptx
+++ b/slides/Unit 2 - Class 11.pptx
@@ -9138,7 +9138,7 @@
           <a:graphicData uri="http://schemas.openxmlformats.org/presentationml/2006/ole">
             <mc:AlternateContent xmlns:mc="http://schemas.openxmlformats.org/markup-compatibility/2006">
               <mc:Choice xmlns:v="urn:schemas-microsoft-com:vml" Requires="v">
-                <p:oleObj spid="_x0000_s242890" name="Document" r:id="rId4" imgW="7556500" imgH="3784600" progId="Word.Document.12">
+                <p:oleObj spid="_x0000_s242896" name="Document" r:id="rId4" imgW="7556500" imgH="3784600" progId="Word.Document.12">
                   <p:embed/>
                 </p:oleObj>
               </mc:Choice>
@@ -9822,7 +9822,7 @@
           <p:nvPr>
             <p:extLst>
               <p:ext uri="{D42A27DB-BD31-4B8C-83A1-F6EECF244321}">
-                <p14:modId xmlns:p14="http://schemas.microsoft.com/office/powerpoint/2010/main" val="684847230"/>
+                <p14:modId xmlns:p14="http://schemas.microsoft.com/office/powerpoint/2010/main" val="2983245072"/>
               </p:ext>
             </p:extLst>
           </p:nvPr>
@@ -9835,7 +9835,7 @@
           <a:graphicData uri="http://schemas.openxmlformats.org/presentationml/2006/ole">
             <mc:AlternateContent xmlns:mc="http://schemas.openxmlformats.org/markup-compatibility/2006">
               <mc:Choice xmlns:v="urn:schemas-microsoft-com:vml" Requires="v">
-                <p:oleObj spid="_x0000_s253157" name="Document" r:id="rId4" imgW="7556500" imgH="2413000" progId="Word.Document.12">
+                <p:oleObj spid="_x0000_s253178" name="Document" r:id="rId4" imgW="7556500" imgH="2413000" progId="Word.Document.12">
                   <p:embed/>
                 </p:oleObj>
               </mc:Choice>
@@ -9891,7 +9891,7 @@
           <p:nvPr>
             <p:extLst>
               <p:ext uri="{D42A27DB-BD31-4B8C-83A1-F6EECF244321}">
-                <p14:modId xmlns:p14="http://schemas.microsoft.com/office/powerpoint/2010/main" val="549120714"/>
+                <p14:modId xmlns:p14="http://schemas.microsoft.com/office/powerpoint/2010/main" val="2821400778"/>
               </p:ext>
             </p:extLst>
           </p:nvPr>
@@ -9904,7 +9904,7 @@
           <a:graphicData uri="http://schemas.openxmlformats.org/presentationml/2006/ole">
             <mc:AlternateContent xmlns:mc="http://schemas.openxmlformats.org/markup-compatibility/2006">
               <mc:Choice xmlns:v="urn:schemas-microsoft-com:vml" Requires="v">
-                <p:oleObj spid="_x0000_s253158" name="Document" r:id="rId6" imgW="7556500" imgH="3937000" progId="Word.Document.12">
+                <p:oleObj spid="_x0000_s253179" name="Document" r:id="rId6" imgW="7556500" imgH="3937000" progId="Word.Document.12">
                   <p:embed/>
                 </p:oleObj>
               </mc:Choice>
@@ -9954,7 +9954,7 @@
           <p:nvPr>
             <p:extLst>
               <p:ext uri="{D42A27DB-BD31-4B8C-83A1-F6EECF244321}">
-                <p14:modId xmlns:p14="http://schemas.microsoft.com/office/powerpoint/2010/main" val="2834533845"/>
+                <p14:modId xmlns:p14="http://schemas.microsoft.com/office/powerpoint/2010/main" val="3929122233"/>
               </p:ext>
             </p:extLst>
           </p:nvPr>
@@ -9967,7 +9967,7 @@
           <a:graphicData uri="http://schemas.openxmlformats.org/presentationml/2006/ole">
             <mc:AlternateContent xmlns:mc="http://schemas.openxmlformats.org/markup-compatibility/2006">
               <mc:Choice xmlns:v="urn:schemas-microsoft-com:vml" Requires="v">
-                <p:oleObj spid="_x0000_s253159" name="Document" r:id="rId8" imgW="7556500" imgH="3784600" progId="Word.Document.12">
+                <p:oleObj spid="_x0000_s253180" name="Document" r:id="rId8" imgW="7556500" imgH="3784600" progId="Word.Document.12">
                   <p:embed/>
                 </p:oleObj>
               </mc:Choice>
@@ -10647,7 +10647,7 @@
           <a:graphicData uri="http://schemas.openxmlformats.org/presentationml/2006/ole">
             <mc:AlternateContent xmlns:mc="http://schemas.openxmlformats.org/markup-compatibility/2006">
               <mc:Choice xmlns:v="urn:schemas-microsoft-com:vml" Requires="v">
-                <p:oleObj spid="_x0000_s95593" name="Document" r:id="rId4" imgW="7556500" imgH="2413000" progId="Word.Document.12">
+                <p:oleObj spid="_x0000_s95599" name="Document" r:id="rId4" imgW="7556500" imgH="2413000" progId="Word.Document.12">
                   <p:embed/>
                 </p:oleObj>
               </mc:Choice>
@@ -11291,7 +11291,7 @@
           <a:graphicData uri="http://schemas.openxmlformats.org/presentationml/2006/ole">
             <mc:AlternateContent xmlns:mc="http://schemas.openxmlformats.org/markup-compatibility/2006">
               <mc:Choice xmlns:v="urn:schemas-microsoft-com:vml" Requires="v">
-                <p:oleObj spid="_x0000_s349200" name="Document" r:id="rId4" imgW="7556500" imgH="3784600" progId="Word.Document.12">
+                <p:oleObj spid="_x0000_s349206" name="Document" r:id="rId4" imgW="7556500" imgH="3784600" progId="Word.Document.12">
                   <p:embed/>
                 </p:oleObj>
               </mc:Choice>
@@ -12586,7 +12586,7 @@
           <p:nvPr>
             <p:extLst>
               <p:ext uri="{D42A27DB-BD31-4B8C-83A1-F6EECF244321}">
-                <p14:modId xmlns:p14="http://schemas.microsoft.com/office/powerpoint/2010/main" val="2746558501"/>
+                <p14:modId xmlns:p14="http://schemas.microsoft.com/office/powerpoint/2010/main" val="439588569"/>
               </p:ext>
             </p:extLst>
           </p:nvPr>
@@ -12599,7 +12599,7 @@
           <a:graphicData uri="http://schemas.openxmlformats.org/presentationml/2006/ole">
             <mc:AlternateContent xmlns:mc="http://schemas.openxmlformats.org/markup-compatibility/2006">
               <mc:Choice xmlns:v="urn:schemas-microsoft-com:vml" Requires="v">
-                <p:oleObj spid="_x0000_s354314" name="Document" r:id="rId4" imgW="7556500" imgH="3962400" progId="Word.Document.12">
+                <p:oleObj spid="_x0000_s354321" name="Document" r:id="rId4" imgW="7556500" imgH="3962400" progId="Word.Document.12">
                   <p:embed/>
                 </p:oleObj>
               </mc:Choice>
@@ -13249,7 +13249,7 @@
           <a:graphicData uri="http://schemas.openxmlformats.org/presentationml/2006/ole">
             <mc:AlternateContent xmlns:mc="http://schemas.openxmlformats.org/markup-compatibility/2006">
               <mc:Choice xmlns:v="urn:schemas-microsoft-com:vml" Requires="v">
-                <p:oleObj spid="_x0000_s355338" name="Document" r:id="rId4" imgW="7556500" imgH="7734300" progId="Word.Document.12">
+                <p:oleObj spid="_x0000_s355344" name="Document" r:id="rId4" imgW="7556500" imgH="7734300" progId="Word.Document.12">
                   <p:embed/>
                 </p:oleObj>
               </mc:Choice>
@@ -13892,7 +13892,7 @@
           <p:nvPr>
             <p:extLst>
               <p:ext uri="{D42A27DB-BD31-4B8C-83A1-F6EECF244321}">
-                <p14:modId xmlns:p14="http://schemas.microsoft.com/office/powerpoint/2010/main" val="770440474"/>
+                <p14:modId xmlns:p14="http://schemas.microsoft.com/office/powerpoint/2010/main" val="1860717009"/>
               </p:ext>
             </p:extLst>
           </p:nvPr>
@@ -13905,7 +13905,7 @@
           <a:graphicData uri="http://schemas.openxmlformats.org/presentationml/2006/ole">
             <mc:AlternateContent xmlns:mc="http://schemas.openxmlformats.org/markup-compatibility/2006">
               <mc:Choice xmlns:v="urn:schemas-microsoft-com:vml" Requires="v">
-                <p:oleObj spid="_x0000_s357385" name="Document" r:id="rId4" imgW="7556500" imgH="4127500" progId="Word.Document.12">
+                <p:oleObj spid="_x0000_s357392" name="Document" r:id="rId4" imgW="7556500" imgH="4127500" progId="Word.Document.12">
                   <p:embed/>
                 </p:oleObj>
               </mc:Choice>
@@ -15768,7 +15768,7 @@
           <a:graphicData uri="http://schemas.openxmlformats.org/presentationml/2006/ole">
             <mc:AlternateContent xmlns:mc="http://schemas.openxmlformats.org/markup-compatibility/2006">
               <mc:Choice xmlns:v="urn:schemas-microsoft-com:vml" Requires="v">
-                <p:oleObj spid="_x0000_s364548" name="Document" r:id="rId4" imgW="7556500" imgH="4127500" progId="Word.Document.12">
+                <p:oleObj spid="_x0000_s364554" name="Document" r:id="rId4" imgW="7556500" imgH="4127500" progId="Word.Document.12">
                   <p:embed/>
                 </p:oleObj>
               </mc:Choice>
@@ -16405,7 +16405,7 @@
           <p:nvPr>
             <p:extLst>
               <p:ext uri="{D42A27DB-BD31-4B8C-83A1-F6EECF244321}">
-                <p14:modId xmlns:p14="http://schemas.microsoft.com/office/powerpoint/2010/main" val="1482714386"/>
+                <p14:modId xmlns:p14="http://schemas.microsoft.com/office/powerpoint/2010/main" val="2327282260"/>
               </p:ext>
             </p:extLst>
           </p:nvPr>
@@ -16418,7 +16418,7 @@
           <a:graphicData uri="http://schemas.openxmlformats.org/presentationml/2006/ole">
             <mc:AlternateContent xmlns:mc="http://schemas.openxmlformats.org/markup-compatibility/2006">
               <mc:Choice xmlns:v="urn:schemas-microsoft-com:vml" Requires="v">
-                <p:oleObj spid="_x0000_s362501" name="Document" r:id="rId4" imgW="7556500" imgH="8229600" progId="Word.Document.12">
+                <p:oleObj spid="_x0000_s362508" name="Document" r:id="rId4" imgW="7556500" imgH="8229600" progId="Word.Document.12">
                   <p:embed/>
                 </p:oleObj>
               </mc:Choice>
@@ -17061,7 +17061,7 @@
           <p:nvPr>
             <p:extLst>
               <p:ext uri="{D42A27DB-BD31-4B8C-83A1-F6EECF244321}">
-                <p14:modId xmlns:p14="http://schemas.microsoft.com/office/powerpoint/2010/main" val="2185565950"/>
+                <p14:modId xmlns:p14="http://schemas.microsoft.com/office/powerpoint/2010/main" val="3337775659"/>
               </p:ext>
             </p:extLst>
           </p:nvPr>
@@ -17074,7 +17074,7 @@
           <a:graphicData uri="http://schemas.openxmlformats.org/presentationml/2006/ole">
             <mc:AlternateContent xmlns:mc="http://schemas.openxmlformats.org/markup-compatibility/2006">
               <mc:Choice xmlns:v="urn:schemas-microsoft-com:vml" Requires="v">
-                <p:oleObj spid="_x0000_s365570" name="Document" r:id="rId4" imgW="7556500" imgH="4648200" progId="Word.Document.12">
+                <p:oleObj spid="_x0000_s365577" name="Document" r:id="rId4" imgW="7556500" imgH="4648200" progId="Word.Document.12">
                   <p:embed/>
                 </p:oleObj>
               </mc:Choice>
@@ -20163,7 +20163,7 @@
           <a:graphicData uri="http://schemas.openxmlformats.org/presentationml/2006/ole">
             <mc:AlternateContent xmlns:mc="http://schemas.openxmlformats.org/markup-compatibility/2006">
               <mc:Choice xmlns:v="urn:schemas-microsoft-com:vml" Requires="v">
-                <p:oleObj spid="_x0000_s235732" name="Document" r:id="rId4" imgW="7556500" imgH="3784600" progId="Word.Document.12">
+                <p:oleObj spid="_x0000_s235738" name="Document" r:id="rId4" imgW="7556500" imgH="3784600" progId="Word.Document.12">
                   <p:embed/>
                 </p:oleObj>
               </mc:Choice>
@@ -21331,7 +21331,7 @@
           <p:nvPr>
             <p:extLst>
               <p:ext uri="{D42A27DB-BD31-4B8C-83A1-F6EECF244321}">
-                <p14:modId xmlns:p14="http://schemas.microsoft.com/office/powerpoint/2010/main" val="2376767863"/>
+                <p14:modId xmlns:p14="http://schemas.microsoft.com/office/powerpoint/2010/main" val="438123280"/>
               </p:ext>
             </p:extLst>
           </p:nvPr>
@@ -21344,7 +21344,7 @@
           <a:graphicData uri="http://schemas.openxmlformats.org/presentationml/2006/ole">
             <mc:AlternateContent xmlns:mc="http://schemas.openxmlformats.org/markup-compatibility/2006">
               <mc:Choice xmlns:v="urn:schemas-microsoft-com:vml" Requires="v">
-                <p:oleObj spid="_x0000_s236757" name="Document" r:id="rId4" imgW="7556500" imgH="3784600" progId="Word.Document.12">
+                <p:oleObj spid="_x0000_s236763" name="Document" r:id="rId4" imgW="7556500" imgH="3784600" progId="Word.Document.12">
                   <p:embed/>
                 </p:oleObj>
               </mc:Choice>
@@ -22517,7 +22517,7 @@
         </p:nvSpPr>
         <p:spPr>
           <a:xfrm>
-            <a:off x="2049518" y="3011214"/>
+            <a:off x="2581145" y="2798563"/>
             <a:ext cx="4477406" cy="646331"/>
           </a:xfrm>
           <a:prstGeom prst="rect">
@@ -23103,7 +23103,7 @@
           <p:nvPr>
             <p:extLst>
               <p:ext uri="{D42A27DB-BD31-4B8C-83A1-F6EECF244321}">
-                <p14:modId xmlns:p14="http://schemas.microsoft.com/office/powerpoint/2010/main" val="941111131"/>
+                <p14:modId xmlns:p14="http://schemas.microsoft.com/office/powerpoint/2010/main" val="64898810"/>
               </p:ext>
             </p:extLst>
           </p:nvPr>
@@ -23116,7 +23116,7 @@
           <a:graphicData uri="http://schemas.openxmlformats.org/presentationml/2006/ole">
             <mc:AlternateContent xmlns:mc="http://schemas.openxmlformats.org/markup-compatibility/2006">
               <mc:Choice xmlns:v="urn:schemas-microsoft-com:vml" Requires="v">
-                <p:oleObj spid="_x0000_s240843" name="Document" r:id="rId4" imgW="7556500" imgH="3784600" progId="Word.Document.12">
+                <p:oleObj spid="_x0000_s240849" name="Document" r:id="rId4" imgW="7556500" imgH="3784600" progId="Word.Document.12">
                   <p:embed/>
                 </p:oleObj>
               </mc:Choice>
